--- a/apple.pptx
+++ b/apple.pptx
@@ -6075,30 +6075,22 @@
             </a:pPr>
             <a:r>
               <a:rPr lang="ru"/>
-              <a:t>Морковь</a:t>
+              <a:t>Загадка</a:t>
             </a:r>
             <a:endParaRPr/>
           </a:p>
         </p:txBody>
       </p:sp>
-      <p:pic>
-        <p:nvPicPr>
+      <p:sp>
+        <p:nvSpPr>
           <p:cNvPr id="73" name="Google Shape;73;p16"/>
-          <p:cNvPicPr preferRelativeResize="0"/>
+          <p:cNvSpPr txBox="1"/>
           <p:nvPr/>
-        </p:nvPicPr>
-        <p:blipFill>
-          <a:blip r:embed="rId3">
-            <a:alphaModFix/>
-          </a:blip>
-          <a:stretch>
-            <a:fillRect/>
-          </a:stretch>
-        </p:blipFill>
+        </p:nvSpPr>
         <p:spPr>
           <a:xfrm>
-            <a:off x="152400" y="1170125"/>
-            <a:ext cx="3820974" cy="3820974"/>
+            <a:off x="412350" y="1150225"/>
+            <a:ext cx="4514100" cy="2032800"/>
           </a:xfrm>
           <a:prstGeom prst="rect">
             <a:avLst/>
@@ -6108,7 +6100,185 @@
             <a:noFill/>
           </a:ln>
         </p:spPr>
-      </p:pic>
+        <p:txBody>
+          <a:bodyPr anchorCtr="0" anchor="t" bIns="91425" lIns="91425" spcFirstLastPara="1" rIns="91425" wrap="square" tIns="91425">
+            <a:noAutofit/>
+          </a:bodyPr>
+          <a:lstStyle/>
+          <a:p>
+            <a:pPr indent="0" lvl="0" marL="0" rtl="0" algn="l">
+              <a:lnSpc>
+                <a:spcPct val="115000"/>
+              </a:lnSpc>
+              <a:spcBef>
+                <a:spcPts val="0"/>
+              </a:spcBef>
+              <a:spcAft>
+                <a:spcPts val="0"/>
+              </a:spcAft>
+              <a:buClr>
+                <a:schemeClr val="dk1"/>
+              </a:buClr>
+              <a:buSzPts val="1100"/>
+              <a:buFont typeface="Arial"/>
+              <a:buNone/>
+            </a:pPr>
+            <a:r>
+              <a:rPr lang="ru" sz="1100">
+                <a:solidFill>
+                  <a:schemeClr val="dk1"/>
+                </a:solidFill>
+              </a:rPr>
+              <a:t>В огороде растёт она,</a:t>
+            </a:r>
+            <a:endParaRPr sz="1100">
+              <a:solidFill>
+                <a:schemeClr val="dk1"/>
+              </a:solidFill>
+            </a:endParaRPr>
+          </a:p>
+          <a:p>
+            <a:pPr indent="0" lvl="0" marL="0" rtl="0" algn="l">
+              <a:lnSpc>
+                <a:spcPct val="115000"/>
+              </a:lnSpc>
+              <a:spcBef>
+                <a:spcPts val="0"/>
+              </a:spcBef>
+              <a:spcAft>
+                <a:spcPts val="0"/>
+              </a:spcAft>
+              <a:buClr>
+                <a:schemeClr val="dk1"/>
+              </a:buClr>
+              <a:buSzPts val="1100"/>
+              <a:buFont typeface="Arial"/>
+              <a:buNone/>
+            </a:pPr>
+            <a:r>
+              <a:rPr lang="ru" sz="1100">
+                <a:solidFill>
+                  <a:schemeClr val="dk1"/>
+                </a:solidFill>
+              </a:rPr>
+              <a:t>Красная шапочка, хвостик зелёный.</a:t>
+            </a:r>
+            <a:endParaRPr sz="1100">
+              <a:solidFill>
+                <a:schemeClr val="dk1"/>
+              </a:solidFill>
+            </a:endParaRPr>
+          </a:p>
+          <a:p>
+            <a:pPr indent="0" lvl="0" marL="0" rtl="0" algn="l">
+              <a:lnSpc>
+                <a:spcPct val="115000"/>
+              </a:lnSpc>
+              <a:spcBef>
+                <a:spcPts val="0"/>
+              </a:spcBef>
+              <a:spcAft>
+                <a:spcPts val="0"/>
+              </a:spcAft>
+              <a:buClr>
+                <a:schemeClr val="dk1"/>
+              </a:buClr>
+              <a:buSzPts val="1100"/>
+              <a:buFont typeface="Arial"/>
+              <a:buNone/>
+            </a:pPr>
+            <a:r>
+              <a:rPr lang="ru" sz="1100">
+                <a:solidFill>
+                  <a:schemeClr val="dk1"/>
+                </a:solidFill>
+              </a:rPr>
+              <a:t>С кроликами дружит она.</a:t>
+            </a:r>
+            <a:endParaRPr sz="1100">
+              <a:solidFill>
+                <a:schemeClr val="dk1"/>
+              </a:solidFill>
+            </a:endParaRPr>
+          </a:p>
+          <a:p>
+            <a:pPr indent="0" lvl="0" marL="0" rtl="0" algn="l">
+              <a:lnSpc>
+                <a:spcPct val="115000"/>
+              </a:lnSpc>
+              <a:spcBef>
+                <a:spcPts val="0"/>
+              </a:spcBef>
+              <a:spcAft>
+                <a:spcPts val="0"/>
+              </a:spcAft>
+              <a:buNone/>
+            </a:pPr>
+            <a:r>
+              <a:rPr lang="ru" sz="1100">
+                <a:solidFill>
+                  <a:schemeClr val="dk1"/>
+                </a:solidFill>
+              </a:rPr>
+              <a:t>Что это? Знаешь, дружок</a:t>
+            </a:r>
+            <a:r>
+              <a:rPr lang="ru" sz="1100">
+                <a:solidFill>
+                  <a:schemeClr val="dk1"/>
+                </a:solidFill>
+              </a:rPr>
+              <a:t>?</a:t>
+            </a:r>
+            <a:endParaRPr sz="1100">
+              <a:solidFill>
+                <a:schemeClr val="dk1"/>
+              </a:solidFill>
+            </a:endParaRPr>
+          </a:p>
+          <a:p>
+            <a:pPr indent="0" lvl="0" marL="0" rtl="0" algn="l">
+              <a:lnSpc>
+                <a:spcPct val="115000"/>
+              </a:lnSpc>
+              <a:spcBef>
+                <a:spcPts val="0"/>
+              </a:spcBef>
+              <a:spcAft>
+                <a:spcPts val="0"/>
+              </a:spcAft>
+              <a:buNone/>
+            </a:pPr>
+            <a:r>
+              <a:t/>
+            </a:r>
+            <a:endParaRPr sz="1100">
+              <a:solidFill>
+                <a:schemeClr val="dk1"/>
+              </a:solidFill>
+            </a:endParaRPr>
+          </a:p>
+          <a:p>
+            <a:pPr indent="0" lvl="0" marL="0" rtl="0" algn="l">
+              <a:spcBef>
+                <a:spcPts val="0"/>
+              </a:spcBef>
+              <a:spcAft>
+                <a:spcPts val="0"/>
+              </a:spcAft>
+              <a:buNone/>
+            </a:pPr>
+            <a:r>
+              <a:t/>
+            </a:r>
+            <a:endParaRPr sz="1800">
+              <a:solidFill>
+                <a:schemeClr val="dk2"/>
+              </a:solidFill>
+            </a:endParaRPr>
+          </a:p>
+        </p:txBody>
+      </p:sp>
     </p:spTree>
   </p:cSld>
   <p:clrMapOvr>
